--- a/Presentacion_avance.pptx
+++ b/Presentacion_avance.pptx
@@ -8,6 +8,10 @@
     <p:sldId id="344" r:id="rId2"/>
     <p:sldId id="347" r:id="rId3"/>
     <p:sldId id="345" r:id="rId4"/>
+    <p:sldId id="348" r:id="rId5"/>
+    <p:sldId id="349" r:id="rId6"/>
+    <p:sldId id="350" r:id="rId7"/>
+    <p:sldId id="351" r:id="rId8"/>
   </p:sldIdLst>
   <p:sldSz cx="9144000" cy="6858000" type="screen4x3"/>
   <p:notesSz cx="9144000" cy="6858000"/>
@@ -108,7 +112,7 @@
   </p:defaultTextStyle>
   <p:extLst>
     <p:ext uri="{EFAFB233-063F-42B5-8137-9DF3F51BA10A}">
-      <p15:sldGuideLst xmlns:p15="http://schemas.microsoft.com/office/powerpoint/2012/main">
+      <p15:sldGuideLst xmlns:p15="http://schemas.microsoft.com/office/powerpoint/2012/main" xmlns="">
         <p15:guide id="1" orient="horz" pos="2880">
           <p15:clr>
             <a:srgbClr val="A4A3A4"/>
@@ -130,7 +134,7 @@
   <p:cmAuthor id="1" name="pepe" initials="p" lastIdx="2" clrIdx="0">
     <p:extLst>
       <p:ext uri="{19B8F6BF-5375-455C-9EA6-DF929625EA0E}">
-        <p15:presenceInfo xmlns:p15="http://schemas.microsoft.com/office/powerpoint/2012/main" userId="pepe" providerId="None"/>
+        <p15:presenceInfo xmlns:p15="http://schemas.microsoft.com/office/powerpoint/2012/main" xmlns="" userId="pepe" providerId="None"/>
       </p:ext>
     </p:extLst>
   </p:cmAuthor>
@@ -1980,6 +1984,1008 @@
       </p:par>
     </p:tnLst>
   </p:timing>
+</p:sld>
+</file>
+
+<file path=ppt/slides/slide4.xml><?xml version="1.0" encoding="utf-8"?>
+<p:sld xmlns:a="http://schemas.openxmlformats.org/drawingml/2006/main" xmlns:r="http://schemas.openxmlformats.org/officeDocument/2006/relationships" xmlns:p="http://schemas.openxmlformats.org/presentationml/2006/main">
+  <p:cSld>
+    <p:spTree>
+      <p:nvGrpSpPr>
+        <p:cNvPr id="1" name=""/>
+        <p:cNvGrpSpPr/>
+        <p:nvPr/>
+      </p:nvGrpSpPr>
+      <p:grpSpPr>
+        <a:xfrm>
+          <a:off x="0" y="0"/>
+          <a:ext cx="0" cy="0"/>
+          <a:chOff x="0" y="0"/>
+          <a:chExt cx="0" cy="0"/>
+        </a:xfrm>
+      </p:grpSpPr>
+      <p:pic>
+        <p:nvPicPr>
+          <p:cNvPr id="1025" name="Imagen 2"/>
+          <p:cNvPicPr>
+            <a:picLocks noChangeAspect="1" noChangeArrowheads="1"/>
+          </p:cNvPicPr>
+          <p:nvPr/>
+        </p:nvPicPr>
+        <p:blipFill>
+          <a:blip r:embed="rId2">
+            <a:extLst>
+              <a:ext uri="{28A0092B-C50C-407E-A947-70E740481C1C}">
+                <a14:useLocalDpi xmlns:a14="http://schemas.microsoft.com/office/drawing/2010/main" val="0"/>
+              </a:ext>
+            </a:extLst>
+          </a:blip>
+          <a:srcRect l="16122" t="37115" r="67413" b="40555"/>
+          <a:stretch>
+            <a:fillRect/>
+          </a:stretch>
+        </p:blipFill>
+        <p:spPr bwMode="auto">
+          <a:xfrm>
+            <a:off x="1143000" y="2623457"/>
+            <a:ext cx="6400800" cy="3019586"/>
+          </a:xfrm>
+          <a:prstGeom prst="rect">
+            <a:avLst/>
+          </a:prstGeom>
+          <a:noFill/>
+          <a:extLst>
+            <a:ext uri="{909E8E84-426E-40DD-AFC4-6F175D3DCCD1}">
+              <a14:hiddenFill xmlns:a14="http://schemas.microsoft.com/office/drawing/2010/main">
+                <a:solidFill>
+                  <a:srgbClr val="FFFFFF"/>
+                </a:solidFill>
+              </a14:hiddenFill>
+            </a:ext>
+          </a:extLst>
+        </p:spPr>
+      </p:pic>
+      <p:sp>
+        <p:nvSpPr>
+          <p:cNvPr id="3" name="Rectangle 3"/>
+          <p:cNvSpPr>
+            <a:spLocks noChangeArrowheads="1"/>
+          </p:cNvSpPr>
+          <p:nvPr/>
+        </p:nvSpPr>
+        <p:spPr bwMode="auto">
+          <a:xfrm>
+            <a:off x="0" y="2047875"/>
+            <a:ext cx="9144000" cy="0"/>
+          </a:xfrm>
+          <a:prstGeom prst="rect">
+            <a:avLst/>
+          </a:prstGeom>
+          <a:noFill/>
+          <a:ln>
+            <a:noFill/>
+          </a:ln>
+          <a:effectLst/>
+          <a:extLst>
+            <a:ext uri="{909E8E84-426E-40DD-AFC4-6F175D3DCCD1}">
+              <a14:hiddenFill xmlns:a14="http://schemas.microsoft.com/office/drawing/2010/main">
+                <a:solidFill>
+                  <a:schemeClr val="accent1"/>
+                </a:solidFill>
+              </a14:hiddenFill>
+            </a:ext>
+            <a:ext uri="{91240B29-F687-4F45-9708-019B960494DF}">
+              <a14:hiddenLine xmlns:a14="http://schemas.microsoft.com/office/drawing/2010/main" w="9525">
+                <a:solidFill>
+                  <a:schemeClr val="tx1"/>
+                </a:solidFill>
+                <a:miter lim="800000"/>
+                <a:headEnd/>
+                <a:tailEnd/>
+              </a14:hiddenLine>
+            </a:ext>
+            <a:ext uri="{AF507438-7753-43E0-B8FC-AC1667EBCBE1}">
+              <a14:hiddenEffects xmlns:a14="http://schemas.microsoft.com/office/drawing/2010/main">
+                <a:effectLst>
+                  <a:outerShdw dist="35921" dir="2700000" algn="ctr" rotWithShape="0">
+                    <a:schemeClr val="bg2"/>
+                  </a:outerShdw>
+                </a:effectLst>
+              </a14:hiddenEffects>
+            </a:ext>
+          </a:extLst>
+        </p:spPr>
+        <p:txBody>
+          <a:bodyPr vert="horz" wrap="none" lIns="91440" tIns="45720" rIns="91440" bIns="45720" numCol="1" anchor="ctr" anchorCtr="0" compatLnSpc="1">
+            <a:prstTxWarp prst="textNoShape">
+              <a:avLst/>
+            </a:prstTxWarp>
+            <a:spAutoFit/>
+          </a:bodyPr>
+          <a:lstStyle/>
+          <a:p>
+            <a:pPr marL="0" marR="0" lvl="0" indent="0" algn="l" defTabSz="914400" rtl="0" eaLnBrk="1" fontAlgn="base" latinLnBrk="0" hangingPunct="1">
+              <a:lnSpc>
+                <a:spcPct val="100000"/>
+              </a:lnSpc>
+              <a:spcBef>
+                <a:spcPct val="0"/>
+              </a:spcBef>
+              <a:spcAft>
+                <a:spcPct val="0"/>
+              </a:spcAft>
+              <a:buClrTx/>
+              <a:buSzTx/>
+              <a:buFontTx/>
+              <a:buNone/>
+              <a:tabLst/>
+            </a:pPr>
+            <a:r>
+              <a:rPr kumimoji="0" lang="es-EC" sz="1100" b="0" i="0" u="none" strike="noStrike" cap="none" normalizeH="0" baseline="0" smtClean="0">
+                <a:ln>
+                  <a:noFill/>
+                </a:ln>
+                <a:solidFill>
+                  <a:schemeClr val="tx1"/>
+                </a:solidFill>
+                <a:effectLst/>
+                <a:latin typeface="Arial" pitchFamily="34" charset="0"/>
+                <a:ea typeface="Calibri" pitchFamily="34" charset="0"/>
+                <a:cs typeface="Times New Roman" pitchFamily="18" charset="0"/>
+              </a:rPr>
+              <a:t/>
+            </a:r>
+            <a:br>
+              <a:rPr kumimoji="0" lang="es-EC" sz="1100" b="0" i="0" u="none" strike="noStrike" cap="none" normalizeH="0" baseline="0" smtClean="0">
+                <a:ln>
+                  <a:noFill/>
+                </a:ln>
+                <a:solidFill>
+                  <a:schemeClr val="tx1"/>
+                </a:solidFill>
+                <a:effectLst/>
+                <a:latin typeface="Arial" pitchFamily="34" charset="0"/>
+                <a:ea typeface="Calibri" pitchFamily="34" charset="0"/>
+                <a:cs typeface="Times New Roman" pitchFamily="18" charset="0"/>
+              </a:rPr>
+            </a:br>
+            <a:r>
+              <a:rPr kumimoji="0" lang="es-EC" sz="1100" b="0" i="0" u="none" strike="noStrike" cap="none" normalizeH="0" baseline="0" smtClean="0">
+                <a:ln>
+                  <a:noFill/>
+                </a:ln>
+                <a:solidFill>
+                  <a:schemeClr val="tx1"/>
+                </a:solidFill>
+                <a:effectLst/>
+                <a:latin typeface="Arial" pitchFamily="34" charset="0"/>
+                <a:ea typeface="Calibri" pitchFamily="34" charset="0"/>
+                <a:cs typeface="Times New Roman" pitchFamily="18" charset="0"/>
+              </a:rPr>
+              <a:t/>
+            </a:r>
+            <a:br>
+              <a:rPr kumimoji="0" lang="es-EC" sz="1100" b="0" i="0" u="none" strike="noStrike" cap="none" normalizeH="0" baseline="0" smtClean="0">
+                <a:ln>
+                  <a:noFill/>
+                </a:ln>
+                <a:solidFill>
+                  <a:schemeClr val="tx1"/>
+                </a:solidFill>
+                <a:effectLst/>
+                <a:latin typeface="Arial" pitchFamily="34" charset="0"/>
+                <a:ea typeface="Calibri" pitchFamily="34" charset="0"/>
+                <a:cs typeface="Times New Roman" pitchFamily="18" charset="0"/>
+              </a:rPr>
+            </a:br>
+            <a:endParaRPr kumimoji="0" lang="es-EC" sz="1800" b="0" i="0" u="none" strike="noStrike" cap="none" normalizeH="0" baseline="0" smtClean="0">
+              <a:ln>
+                <a:noFill/>
+              </a:ln>
+              <a:solidFill>
+                <a:schemeClr val="tx1"/>
+              </a:solidFill>
+              <a:effectLst/>
+              <a:latin typeface="Arial" pitchFamily="34" charset="0"/>
+              <a:cs typeface="Arial" pitchFamily="34" charset="0"/>
+            </a:endParaRPr>
+          </a:p>
+        </p:txBody>
+      </p:sp>
+      <p:sp>
+        <p:nvSpPr>
+          <p:cNvPr id="4" name="3 Rectángulo"/>
+          <p:cNvSpPr/>
+          <p:nvPr/>
+        </p:nvSpPr>
+        <p:spPr>
+          <a:xfrm>
+            <a:off x="838200" y="282663"/>
+            <a:ext cx="7195303" cy="1754326"/>
+          </a:xfrm>
+          <a:prstGeom prst="rect">
+            <a:avLst/>
+          </a:prstGeom>
+          <a:noFill/>
+        </p:spPr>
+        <p:txBody>
+          <a:bodyPr wrap="none" lIns="91440" tIns="45720" rIns="91440" bIns="45720">
+            <a:spAutoFit/>
+          </a:bodyPr>
+          <a:lstStyle/>
+          <a:p>
+            <a:pPr algn="ctr"/>
+            <a:r>
+              <a:rPr lang="es-ES" sz="5400" b="1" cap="none" spc="0" dirty="0" smtClean="0">
+                <a:ln w="12700">
+                  <a:solidFill>
+                    <a:schemeClr val="tx2">
+                      <a:satMod val="155000"/>
+                    </a:schemeClr>
+                  </a:solidFill>
+                  <a:prstDash val="solid"/>
+                </a:ln>
+                <a:solidFill>
+                  <a:schemeClr val="bg2">
+                    <a:tint val="85000"/>
+                    <a:satMod val="155000"/>
+                  </a:schemeClr>
+                </a:solidFill>
+                <a:effectLst>
+                  <a:outerShdw blurRad="41275" dist="20320" dir="1800000" algn="tl" rotWithShape="0">
+                    <a:srgbClr val="000000">
+                      <a:alpha val="40000"/>
+                    </a:srgbClr>
+                  </a:outerShdw>
+                </a:effectLst>
+              </a:rPr>
+              <a:t>Estructura básica</a:t>
+            </a:r>
+          </a:p>
+          <a:p>
+            <a:pPr algn="ctr"/>
+            <a:r>
+              <a:rPr lang="es-ES" sz="5400" b="1" cap="none" spc="0" dirty="0" smtClean="0">
+                <a:ln w="12700">
+                  <a:solidFill>
+                    <a:schemeClr val="tx2">
+                      <a:satMod val="155000"/>
+                    </a:schemeClr>
+                  </a:solidFill>
+                  <a:prstDash val="solid"/>
+                </a:ln>
+                <a:solidFill>
+                  <a:schemeClr val="bg2">
+                    <a:tint val="85000"/>
+                    <a:satMod val="155000"/>
+                  </a:schemeClr>
+                </a:solidFill>
+                <a:effectLst>
+                  <a:outerShdw blurRad="41275" dist="20320" dir="1800000" algn="tl" rotWithShape="0">
+                    <a:srgbClr val="000000">
+                      <a:alpha val="40000"/>
+                    </a:srgbClr>
+                  </a:outerShdw>
+                </a:effectLst>
+              </a:rPr>
+              <a:t>(ventana,tamaño,fondo)</a:t>
+            </a:r>
+            <a:endParaRPr lang="es-ES" sz="5400" b="1" cap="none" spc="0" dirty="0">
+              <a:ln w="12700">
+                <a:solidFill>
+                  <a:schemeClr val="tx2">
+                    <a:satMod val="155000"/>
+                  </a:schemeClr>
+                </a:solidFill>
+                <a:prstDash val="solid"/>
+              </a:ln>
+              <a:solidFill>
+                <a:schemeClr val="bg2">
+                  <a:tint val="85000"/>
+                  <a:satMod val="155000"/>
+                </a:schemeClr>
+              </a:solidFill>
+              <a:effectLst>
+                <a:outerShdw blurRad="41275" dist="20320" dir="1800000" algn="tl" rotWithShape="0">
+                  <a:srgbClr val="000000">
+                    <a:alpha val="40000"/>
+                  </a:srgbClr>
+                </a:outerShdw>
+              </a:effectLst>
+            </a:endParaRPr>
+          </a:p>
+        </p:txBody>
+      </p:sp>
+    </p:spTree>
+    <p:extLst>
+      <p:ext uri="{BB962C8B-B14F-4D97-AF65-F5344CB8AC3E}">
+        <p14:creationId xmlns:p14="http://schemas.microsoft.com/office/powerpoint/2010/main" val="2863628430"/>
+      </p:ext>
+    </p:extLst>
+  </p:cSld>
+  <p:clrMapOvr>
+    <a:masterClrMapping/>
+  </p:clrMapOvr>
+</p:sld>
+</file>
+
+<file path=ppt/slides/slide5.xml><?xml version="1.0" encoding="utf-8"?>
+<p:sld xmlns:a="http://schemas.openxmlformats.org/drawingml/2006/main" xmlns:r="http://schemas.openxmlformats.org/officeDocument/2006/relationships" xmlns:p="http://schemas.openxmlformats.org/presentationml/2006/main">
+  <p:cSld>
+    <p:spTree>
+      <p:nvGrpSpPr>
+        <p:cNvPr id="1" name=""/>
+        <p:cNvGrpSpPr/>
+        <p:nvPr/>
+      </p:nvGrpSpPr>
+      <p:grpSpPr>
+        <a:xfrm>
+          <a:off x="0" y="0"/>
+          <a:ext cx="0" cy="0"/>
+          <a:chOff x="0" y="0"/>
+          <a:chExt cx="0" cy="0"/>
+        </a:xfrm>
+      </p:grpSpPr>
+      <p:pic>
+        <p:nvPicPr>
+          <p:cNvPr id="2049" name="Imagen 5"/>
+          <p:cNvPicPr>
+            <a:picLocks noChangeAspect="1" noChangeArrowheads="1"/>
+          </p:cNvPicPr>
+          <p:nvPr/>
+        </p:nvPicPr>
+        <p:blipFill>
+          <a:blip r:embed="rId2">
+            <a:extLst>
+              <a:ext uri="{28A0092B-C50C-407E-A947-70E740481C1C}">
+                <a14:useLocalDpi xmlns:a14="http://schemas.microsoft.com/office/drawing/2010/main" val="0"/>
+              </a:ext>
+            </a:extLst>
+          </a:blip>
+          <a:srcRect l="16122" t="51297" r="66734" b="29692"/>
+          <a:stretch>
+            <a:fillRect/>
+          </a:stretch>
+        </p:blipFill>
+        <p:spPr bwMode="auto">
+          <a:xfrm>
+            <a:off x="562687" y="2630714"/>
+            <a:ext cx="8018625" cy="2829152"/>
+          </a:xfrm>
+          <a:prstGeom prst="rect">
+            <a:avLst/>
+          </a:prstGeom>
+          <a:noFill/>
+          <a:extLst>
+            <a:ext uri="{909E8E84-426E-40DD-AFC4-6F175D3DCCD1}">
+              <a14:hiddenFill xmlns:a14="http://schemas.microsoft.com/office/drawing/2010/main">
+                <a:solidFill>
+                  <a:srgbClr val="FFFFFF"/>
+                </a:solidFill>
+              </a14:hiddenFill>
+            </a:ext>
+          </a:extLst>
+        </p:spPr>
+      </p:pic>
+      <p:sp>
+        <p:nvSpPr>
+          <p:cNvPr id="3" name="Rectangle 3"/>
+          <p:cNvSpPr>
+            <a:spLocks noChangeArrowheads="1"/>
+          </p:cNvSpPr>
+          <p:nvPr/>
+        </p:nvSpPr>
+        <p:spPr bwMode="auto">
+          <a:xfrm>
+            <a:off x="0" y="2124075"/>
+            <a:ext cx="9144000" cy="0"/>
+          </a:xfrm>
+          <a:prstGeom prst="rect">
+            <a:avLst/>
+          </a:prstGeom>
+          <a:noFill/>
+          <a:ln>
+            <a:noFill/>
+          </a:ln>
+          <a:effectLst/>
+          <a:extLst>
+            <a:ext uri="{909E8E84-426E-40DD-AFC4-6F175D3DCCD1}">
+              <a14:hiddenFill xmlns:a14="http://schemas.microsoft.com/office/drawing/2010/main">
+                <a:solidFill>
+                  <a:schemeClr val="accent1"/>
+                </a:solidFill>
+              </a14:hiddenFill>
+            </a:ext>
+            <a:ext uri="{91240B29-F687-4F45-9708-019B960494DF}">
+              <a14:hiddenLine xmlns:a14="http://schemas.microsoft.com/office/drawing/2010/main" w="9525">
+                <a:solidFill>
+                  <a:schemeClr val="tx1"/>
+                </a:solidFill>
+                <a:miter lim="800000"/>
+                <a:headEnd/>
+                <a:tailEnd/>
+              </a14:hiddenLine>
+            </a:ext>
+            <a:ext uri="{AF507438-7753-43E0-B8FC-AC1667EBCBE1}">
+              <a14:hiddenEffects xmlns:a14="http://schemas.microsoft.com/office/drawing/2010/main">
+                <a:effectLst>
+                  <a:outerShdw dist="35921" dir="2700000" algn="ctr" rotWithShape="0">
+                    <a:schemeClr val="bg2"/>
+                  </a:outerShdw>
+                </a:effectLst>
+              </a14:hiddenEffects>
+            </a:ext>
+          </a:extLst>
+        </p:spPr>
+        <p:txBody>
+          <a:bodyPr vert="horz" wrap="none" lIns="91440" tIns="45720" rIns="91440" bIns="45720" numCol="1" anchor="ctr" anchorCtr="0" compatLnSpc="1">
+            <a:prstTxWarp prst="textNoShape">
+              <a:avLst/>
+            </a:prstTxWarp>
+            <a:spAutoFit/>
+          </a:bodyPr>
+          <a:lstStyle/>
+          <a:p>
+            <a:pPr marL="0" marR="0" lvl="0" indent="0" algn="l" defTabSz="914400" rtl="0" eaLnBrk="1" fontAlgn="base" latinLnBrk="0" hangingPunct="1">
+              <a:lnSpc>
+                <a:spcPct val="100000"/>
+              </a:lnSpc>
+              <a:spcBef>
+                <a:spcPct val="0"/>
+              </a:spcBef>
+              <a:spcAft>
+                <a:spcPct val="0"/>
+              </a:spcAft>
+              <a:buClrTx/>
+              <a:buSzTx/>
+              <a:buFontTx/>
+              <a:buNone/>
+              <a:tabLst/>
+            </a:pPr>
+            <a:r>
+              <a:rPr kumimoji="0" lang="es-EC" sz="1100" b="0" i="0" u="none" strike="noStrike" cap="none" normalizeH="0" baseline="0" smtClean="0">
+                <a:ln>
+                  <a:noFill/>
+                </a:ln>
+                <a:solidFill>
+                  <a:schemeClr val="tx1"/>
+                </a:solidFill>
+                <a:effectLst/>
+                <a:latin typeface="Arial" pitchFamily="34" charset="0"/>
+                <a:ea typeface="Calibri" pitchFamily="34" charset="0"/>
+                <a:cs typeface="Times New Roman" pitchFamily="18" charset="0"/>
+              </a:rPr>
+              <a:t/>
+            </a:r>
+            <a:br>
+              <a:rPr kumimoji="0" lang="es-EC" sz="1100" b="0" i="0" u="none" strike="noStrike" cap="none" normalizeH="0" baseline="0" smtClean="0">
+                <a:ln>
+                  <a:noFill/>
+                </a:ln>
+                <a:solidFill>
+                  <a:schemeClr val="tx1"/>
+                </a:solidFill>
+                <a:effectLst/>
+                <a:latin typeface="Arial" pitchFamily="34" charset="0"/>
+                <a:ea typeface="Calibri" pitchFamily="34" charset="0"/>
+                <a:cs typeface="Times New Roman" pitchFamily="18" charset="0"/>
+              </a:rPr>
+            </a:br>
+            <a:r>
+              <a:rPr kumimoji="0" lang="es-EC" sz="1100" b="0" i="0" u="none" strike="noStrike" cap="none" normalizeH="0" baseline="0" smtClean="0">
+                <a:ln>
+                  <a:noFill/>
+                </a:ln>
+                <a:solidFill>
+                  <a:schemeClr val="tx1"/>
+                </a:solidFill>
+                <a:effectLst/>
+                <a:latin typeface="Arial" pitchFamily="34" charset="0"/>
+                <a:ea typeface="Calibri" pitchFamily="34" charset="0"/>
+                <a:cs typeface="Times New Roman" pitchFamily="18" charset="0"/>
+              </a:rPr>
+              <a:t/>
+            </a:r>
+            <a:br>
+              <a:rPr kumimoji="0" lang="es-EC" sz="1100" b="0" i="0" u="none" strike="noStrike" cap="none" normalizeH="0" baseline="0" smtClean="0">
+                <a:ln>
+                  <a:noFill/>
+                </a:ln>
+                <a:solidFill>
+                  <a:schemeClr val="tx1"/>
+                </a:solidFill>
+                <a:effectLst/>
+                <a:latin typeface="Arial" pitchFamily="34" charset="0"/>
+                <a:ea typeface="Calibri" pitchFamily="34" charset="0"/>
+                <a:cs typeface="Times New Roman" pitchFamily="18" charset="0"/>
+              </a:rPr>
+            </a:br>
+            <a:endParaRPr kumimoji="0" lang="es-EC" sz="1800" b="0" i="0" u="none" strike="noStrike" cap="none" normalizeH="0" baseline="0" smtClean="0">
+              <a:ln>
+                <a:noFill/>
+              </a:ln>
+              <a:solidFill>
+                <a:schemeClr val="tx1"/>
+              </a:solidFill>
+              <a:effectLst/>
+              <a:latin typeface="Arial" pitchFamily="34" charset="0"/>
+              <a:cs typeface="Arial" pitchFamily="34" charset="0"/>
+            </a:endParaRPr>
+          </a:p>
+        </p:txBody>
+      </p:sp>
+      <p:sp>
+        <p:nvSpPr>
+          <p:cNvPr id="4" name="3 Rectángulo"/>
+          <p:cNvSpPr/>
+          <p:nvPr/>
+        </p:nvSpPr>
+        <p:spPr>
+          <a:xfrm>
+            <a:off x="10886" y="304800"/>
+            <a:ext cx="8945142" cy="1754326"/>
+          </a:xfrm>
+          <a:prstGeom prst="rect">
+            <a:avLst/>
+          </a:prstGeom>
+          <a:noFill/>
+        </p:spPr>
+        <p:txBody>
+          <a:bodyPr wrap="none" lIns="91440" tIns="45720" rIns="91440" bIns="45720">
+            <a:spAutoFit/>
+          </a:bodyPr>
+          <a:lstStyle/>
+          <a:p>
+            <a:pPr algn="ctr"/>
+            <a:r>
+              <a:rPr lang="es-ES" sz="5400" b="1" cap="none" spc="0" dirty="0" smtClean="0">
+                <a:ln w="12700">
+                  <a:solidFill>
+                    <a:schemeClr val="tx2">
+                      <a:satMod val="155000"/>
+                    </a:schemeClr>
+                  </a:solidFill>
+                  <a:prstDash val="solid"/>
+                </a:ln>
+                <a:solidFill>
+                  <a:schemeClr val="bg2">
+                    <a:tint val="85000"/>
+                    <a:satMod val="155000"/>
+                  </a:schemeClr>
+                </a:solidFill>
+                <a:effectLst>
+                  <a:outerShdw blurRad="41275" dist="20320" dir="1800000" algn="tl" rotWithShape="0">
+                    <a:srgbClr val="000000">
+                      <a:alpha val="40000"/>
+                    </a:srgbClr>
+                  </a:outerShdw>
+                </a:effectLst>
+              </a:rPr>
+              <a:t>Creación </a:t>
+            </a:r>
+          </a:p>
+          <a:p>
+            <a:pPr algn="ctr"/>
+            <a:r>
+              <a:rPr lang="es-ES" sz="5400" b="1" cap="none" spc="0" dirty="0" smtClean="0">
+                <a:ln w="12700">
+                  <a:solidFill>
+                    <a:schemeClr val="tx2">
+                      <a:satMod val="155000"/>
+                    </a:schemeClr>
+                  </a:solidFill>
+                  <a:prstDash val="solid"/>
+                </a:ln>
+                <a:solidFill>
+                  <a:schemeClr val="bg2">
+                    <a:tint val="85000"/>
+                    <a:satMod val="155000"/>
+                  </a:schemeClr>
+                </a:solidFill>
+                <a:effectLst>
+                  <a:outerShdw blurRad="41275" dist="20320" dir="1800000" algn="tl" rotWithShape="0">
+                    <a:srgbClr val="000000">
+                      <a:alpha val="40000"/>
+                    </a:srgbClr>
+                  </a:outerShdw>
+                </a:effectLst>
+              </a:rPr>
+              <a:t>(jugador, enemigos y disparos)</a:t>
+            </a:r>
+            <a:endParaRPr lang="es-ES" sz="5400" b="1" cap="none" spc="0" dirty="0">
+              <a:ln w="12700">
+                <a:solidFill>
+                  <a:schemeClr val="tx2">
+                    <a:satMod val="155000"/>
+                  </a:schemeClr>
+                </a:solidFill>
+                <a:prstDash val="solid"/>
+              </a:ln>
+              <a:solidFill>
+                <a:schemeClr val="bg2">
+                  <a:tint val="85000"/>
+                  <a:satMod val="155000"/>
+                </a:schemeClr>
+              </a:solidFill>
+              <a:effectLst>
+                <a:outerShdw blurRad="41275" dist="20320" dir="1800000" algn="tl" rotWithShape="0">
+                  <a:srgbClr val="000000">
+                    <a:alpha val="40000"/>
+                  </a:srgbClr>
+                </a:outerShdw>
+              </a:effectLst>
+            </a:endParaRPr>
+          </a:p>
+        </p:txBody>
+      </p:sp>
+    </p:spTree>
+    <p:extLst>
+      <p:ext uri="{BB962C8B-B14F-4D97-AF65-F5344CB8AC3E}">
+        <p14:creationId xmlns:p14="http://schemas.microsoft.com/office/powerpoint/2010/main" val="985116838"/>
+      </p:ext>
+    </p:extLst>
+  </p:cSld>
+  <p:clrMapOvr>
+    <a:masterClrMapping/>
+  </p:clrMapOvr>
+</p:sld>
+</file>
+
+<file path=ppt/slides/slide6.xml><?xml version="1.0" encoding="utf-8"?>
+<p:sld xmlns:a="http://schemas.openxmlformats.org/drawingml/2006/main" xmlns:r="http://schemas.openxmlformats.org/officeDocument/2006/relationships" xmlns:p="http://schemas.openxmlformats.org/presentationml/2006/main">
+  <p:cSld>
+    <p:spTree>
+      <p:nvGrpSpPr>
+        <p:cNvPr id="1" name=""/>
+        <p:cNvGrpSpPr/>
+        <p:nvPr/>
+      </p:nvGrpSpPr>
+      <p:grpSpPr>
+        <a:xfrm>
+          <a:off x="0" y="0"/>
+          <a:ext cx="0" cy="0"/>
+          <a:chOff x="0" y="0"/>
+          <a:chExt cx="0" cy="0"/>
+        </a:xfrm>
+      </p:grpSpPr>
+      <p:pic>
+        <p:nvPicPr>
+          <p:cNvPr id="3" name="2 Imagen"/>
+          <p:cNvPicPr/>
+          <p:nvPr/>
+        </p:nvPicPr>
+        <p:blipFill rotWithShape="1">
+          <a:blip r:embed="rId2"/>
+          <a:srcRect l="15615" t="13881" r="56551" b="60471"/>
+          <a:stretch/>
+        </p:blipFill>
+        <p:spPr bwMode="auto">
+          <a:xfrm>
+            <a:off x="1200433" y="2010228"/>
+            <a:ext cx="6629400" cy="3476171"/>
+          </a:xfrm>
+          <a:prstGeom prst="rect">
+            <a:avLst/>
+          </a:prstGeom>
+          <a:ln>
+            <a:noFill/>
+          </a:ln>
+          <a:extLst>
+            <a:ext uri="{53640926-AAD7-44D8-BBD7-CCE9431645EC}">
+              <a14:shadowObscured xmlns:a14="http://schemas.microsoft.com/office/drawing/2010/main"/>
+            </a:ext>
+          </a:extLst>
+        </p:spPr>
+      </p:pic>
+      <p:sp>
+        <p:nvSpPr>
+          <p:cNvPr id="2" name="1 Rectángulo"/>
+          <p:cNvSpPr/>
+          <p:nvPr/>
+        </p:nvSpPr>
+        <p:spPr>
+          <a:xfrm>
+            <a:off x="1035680" y="457200"/>
+            <a:ext cx="6783267" cy="923330"/>
+          </a:xfrm>
+          <a:prstGeom prst="rect">
+            <a:avLst/>
+          </a:prstGeom>
+          <a:noFill/>
+        </p:spPr>
+        <p:txBody>
+          <a:bodyPr wrap="none" lIns="91440" tIns="45720" rIns="91440" bIns="45720">
+            <a:spAutoFit/>
+          </a:bodyPr>
+          <a:lstStyle/>
+          <a:p>
+            <a:pPr algn="ctr"/>
+            <a:r>
+              <a:rPr lang="es-ES" sz="5400" b="1" cap="none" spc="0" dirty="0" smtClean="0">
+                <a:ln w="12700">
+                  <a:solidFill>
+                    <a:schemeClr val="tx2">
+                      <a:satMod val="155000"/>
+                    </a:schemeClr>
+                  </a:solidFill>
+                  <a:prstDash val="solid"/>
+                </a:ln>
+                <a:solidFill>
+                  <a:schemeClr val="bg2">
+                    <a:tint val="85000"/>
+                    <a:satMod val="155000"/>
+                  </a:schemeClr>
+                </a:solidFill>
+                <a:effectLst>
+                  <a:outerShdw blurRad="41275" dist="20320" dir="1800000" algn="tl" rotWithShape="0">
+                    <a:srgbClr val="000000">
+                      <a:alpha val="40000"/>
+                    </a:srgbClr>
+                  </a:outerShdw>
+                </a:effectLst>
+              </a:rPr>
+              <a:t>Movimiento de la nave</a:t>
+            </a:r>
+            <a:endParaRPr lang="es-ES" sz="5400" b="1" cap="none" spc="0" dirty="0">
+              <a:ln w="12700">
+                <a:solidFill>
+                  <a:schemeClr val="tx2">
+                    <a:satMod val="155000"/>
+                  </a:schemeClr>
+                </a:solidFill>
+                <a:prstDash val="solid"/>
+              </a:ln>
+              <a:solidFill>
+                <a:schemeClr val="bg2">
+                  <a:tint val="85000"/>
+                  <a:satMod val="155000"/>
+                </a:schemeClr>
+              </a:solidFill>
+              <a:effectLst>
+                <a:outerShdw blurRad="41275" dist="20320" dir="1800000" algn="tl" rotWithShape="0">
+                  <a:srgbClr val="000000">
+                    <a:alpha val="40000"/>
+                  </a:srgbClr>
+                </a:outerShdw>
+              </a:effectLst>
+            </a:endParaRPr>
+          </a:p>
+        </p:txBody>
+      </p:sp>
+    </p:spTree>
+    <p:extLst>
+      <p:ext uri="{BB962C8B-B14F-4D97-AF65-F5344CB8AC3E}">
+        <p14:creationId xmlns:p14="http://schemas.microsoft.com/office/powerpoint/2010/main" val="366530787"/>
+      </p:ext>
+    </p:extLst>
+  </p:cSld>
+  <p:clrMapOvr>
+    <a:masterClrMapping/>
+  </p:clrMapOvr>
+</p:sld>
+</file>
+
+<file path=ppt/slides/slide7.xml><?xml version="1.0" encoding="utf-8"?>
+<p:sld xmlns:a="http://schemas.openxmlformats.org/drawingml/2006/main" xmlns:r="http://schemas.openxmlformats.org/officeDocument/2006/relationships" xmlns:p="http://schemas.openxmlformats.org/presentationml/2006/main">
+  <p:cSld>
+    <p:spTree>
+      <p:nvGrpSpPr>
+        <p:cNvPr id="1" name=""/>
+        <p:cNvGrpSpPr/>
+        <p:nvPr/>
+      </p:nvGrpSpPr>
+      <p:grpSpPr>
+        <a:xfrm>
+          <a:off x="0" y="0"/>
+          <a:ext cx="0" cy="0"/>
+          <a:chOff x="0" y="0"/>
+          <a:chExt cx="0" cy="0"/>
+        </a:xfrm>
+      </p:grpSpPr>
+      <p:sp>
+        <p:nvSpPr>
+          <p:cNvPr id="2" name="1 Rectángulo"/>
+          <p:cNvSpPr/>
+          <p:nvPr/>
+        </p:nvSpPr>
+        <p:spPr>
+          <a:xfrm>
+            <a:off x="3349549" y="381000"/>
+            <a:ext cx="2444900" cy="923330"/>
+          </a:xfrm>
+          <a:prstGeom prst="rect">
+            <a:avLst/>
+          </a:prstGeom>
+          <a:noFill/>
+        </p:spPr>
+        <p:txBody>
+          <a:bodyPr wrap="none" lIns="91440" tIns="45720" rIns="91440" bIns="45720">
+            <a:spAutoFit/>
+          </a:bodyPr>
+          <a:lstStyle/>
+          <a:p>
+            <a:pPr algn="ctr"/>
+            <a:r>
+              <a:rPr lang="es-ES" sz="5400" b="1" cap="none" spc="0" dirty="0" smtClean="0">
+                <a:ln w="12700">
+                  <a:solidFill>
+                    <a:schemeClr val="tx2">
+                      <a:satMod val="155000"/>
+                    </a:schemeClr>
+                  </a:solidFill>
+                  <a:prstDash val="solid"/>
+                </a:ln>
+                <a:solidFill>
+                  <a:schemeClr val="bg2">
+                    <a:tint val="85000"/>
+                    <a:satMod val="155000"/>
+                  </a:schemeClr>
+                </a:solidFill>
+                <a:effectLst>
+                  <a:outerShdw blurRad="41275" dist="20320" dir="1800000" algn="tl" rotWithShape="0">
+                    <a:srgbClr val="000000">
+                      <a:alpha val="40000"/>
+                    </a:srgbClr>
+                  </a:outerShdw>
+                </a:effectLst>
+              </a:rPr>
+              <a:t>Sonidos</a:t>
+            </a:r>
+          </a:p>
+        </p:txBody>
+      </p:sp>
+      <p:sp>
+        <p:nvSpPr>
+          <p:cNvPr id="3" name="2 Rectángulo"/>
+          <p:cNvSpPr/>
+          <p:nvPr/>
+        </p:nvSpPr>
+        <p:spPr>
+          <a:xfrm>
+            <a:off x="1371600" y="2133600"/>
+            <a:ext cx="5885922" cy="2308324"/>
+          </a:xfrm>
+          <a:prstGeom prst="rect">
+            <a:avLst/>
+          </a:prstGeom>
+        </p:spPr>
+        <p:txBody>
+          <a:bodyPr wrap="square">
+            <a:spAutoFit/>
+          </a:bodyPr>
+          <a:lstStyle/>
+          <a:p>
+            <a:pPr lvl="0"/>
+            <a:r>
+              <a:rPr lang="es-ES" sz="2400" dirty="0">
+                <a:solidFill>
+                  <a:schemeClr val="bg1"/>
+                </a:solidFill>
+              </a:rPr>
+              <a:t>Insertar sonidos de acuerdo al ambiente (eventos y fondos</a:t>
+            </a:r>
+            <a:r>
+              <a:rPr lang="es-ES" sz="2400" dirty="0" smtClean="0">
+                <a:solidFill>
+                  <a:schemeClr val="bg1"/>
+                </a:solidFill>
+              </a:rPr>
+              <a:t>)</a:t>
+            </a:r>
+          </a:p>
+          <a:p>
+            <a:pPr lvl="0"/>
+            <a:endParaRPr lang="es-EC" sz="2400" dirty="0">
+              <a:solidFill>
+                <a:schemeClr val="bg1"/>
+              </a:solidFill>
+            </a:endParaRPr>
+          </a:p>
+          <a:p>
+            <a:r>
+              <a:rPr lang="en-US" sz="2400" dirty="0">
+                <a:solidFill>
+                  <a:schemeClr val="bg1"/>
+                </a:solidFill>
+              </a:rPr>
+              <a:t>sonido1 = </a:t>
+            </a:r>
+            <a:r>
+              <a:rPr lang="en-US" sz="2400" dirty="0" err="1">
+                <a:solidFill>
+                  <a:schemeClr val="bg1"/>
+                </a:solidFill>
+              </a:rPr>
+              <a:t>pygame.mixer.Sound</a:t>
+            </a:r>
+            <a:r>
+              <a:rPr lang="en-US" sz="2400" dirty="0">
+                <a:solidFill>
+                  <a:schemeClr val="bg1"/>
+                </a:solidFill>
+              </a:rPr>
+              <a:t>("shoot.wav")</a:t>
+            </a:r>
+            <a:endParaRPr lang="es-EC" sz="2400" dirty="0">
+              <a:solidFill>
+                <a:schemeClr val="bg1"/>
+              </a:solidFill>
+            </a:endParaRPr>
+          </a:p>
+          <a:p>
+            <a:r>
+              <a:rPr lang="en-US" sz="2400" dirty="0">
+                <a:solidFill>
+                  <a:schemeClr val="bg1"/>
+                </a:solidFill>
+              </a:rPr>
+              <a:t>sonido2 = </a:t>
+            </a:r>
+            <a:r>
+              <a:rPr lang="en-US" sz="2400" dirty="0" err="1">
+                <a:solidFill>
+                  <a:schemeClr val="bg1"/>
+                </a:solidFill>
+              </a:rPr>
+              <a:t>pygame.mixer.Sound</a:t>
+            </a:r>
+            <a:r>
+              <a:rPr lang="en-US" sz="2400" dirty="0">
+                <a:solidFill>
+                  <a:schemeClr val="bg1"/>
+                </a:solidFill>
+              </a:rPr>
+              <a:t>("son1.wav")</a:t>
+            </a:r>
+            <a:endParaRPr lang="es-EC" sz="2400" dirty="0">
+              <a:solidFill>
+                <a:schemeClr val="bg1"/>
+              </a:solidFill>
+            </a:endParaRPr>
+          </a:p>
+          <a:p>
+            <a:r>
+              <a:rPr lang="en-US" sz="2400" dirty="0">
+                <a:solidFill>
+                  <a:schemeClr val="bg1"/>
+                </a:solidFill>
+              </a:rPr>
+              <a:t>sonido3 = </a:t>
+            </a:r>
+            <a:r>
+              <a:rPr lang="en-US" sz="2400" dirty="0" err="1">
+                <a:solidFill>
+                  <a:schemeClr val="bg1"/>
+                </a:solidFill>
+              </a:rPr>
+              <a:t>pygame.mixer.Sound</a:t>
+            </a:r>
+            <a:r>
+              <a:rPr lang="en-US" sz="2400" dirty="0">
+                <a:solidFill>
+                  <a:schemeClr val="bg1"/>
+                </a:solidFill>
+              </a:rPr>
+              <a:t>("music1.ogg")</a:t>
+            </a:r>
+            <a:endParaRPr lang="es-EC" sz="2400" dirty="0">
+              <a:solidFill>
+                <a:schemeClr val="bg1"/>
+              </a:solidFill>
+            </a:endParaRPr>
+          </a:p>
+        </p:txBody>
+      </p:sp>
+    </p:spTree>
+    <p:extLst>
+      <p:ext uri="{BB962C8B-B14F-4D97-AF65-F5344CB8AC3E}">
+        <p14:creationId xmlns:p14="http://schemas.microsoft.com/office/powerpoint/2010/main" val="1746674929"/>
+      </p:ext>
+    </p:extLst>
+  </p:cSld>
+  <p:clrMapOvr>
+    <a:masterClrMapping/>
+  </p:clrMapOvr>
 </p:sld>
 </file>
 

--- a/Presentacion_avance.pptx
+++ b/Presentacion_avance.pptx
@@ -8,10 +8,11 @@
     <p:sldId id="344" r:id="rId2"/>
     <p:sldId id="347" r:id="rId3"/>
     <p:sldId id="345" r:id="rId4"/>
-    <p:sldId id="348" r:id="rId5"/>
-    <p:sldId id="349" r:id="rId6"/>
-    <p:sldId id="350" r:id="rId7"/>
-    <p:sldId id="351" r:id="rId8"/>
+    <p:sldId id="352" r:id="rId5"/>
+    <p:sldId id="348" r:id="rId6"/>
+    <p:sldId id="349" r:id="rId7"/>
+    <p:sldId id="350" r:id="rId8"/>
+    <p:sldId id="351" r:id="rId9"/>
   </p:sldIdLst>
   <p:sldSz cx="9144000" cy="6858000" type="screen4x3"/>
   <p:notesSz cx="9144000" cy="6858000"/>
@@ -112,7 +113,7 @@
   </p:defaultTextStyle>
   <p:extLst>
     <p:ext uri="{EFAFB233-063F-42B5-8137-9DF3F51BA10A}">
-      <p15:sldGuideLst xmlns:p15="http://schemas.microsoft.com/office/powerpoint/2012/main" xmlns="">
+      <p15:sldGuideLst xmlns="" xmlns:p15="http://schemas.microsoft.com/office/powerpoint/2012/main">
         <p15:guide id="1" orient="horz" pos="2880">
           <p15:clr>
             <a:srgbClr val="A4A3A4"/>
@@ -134,7 +135,7 @@
   <p:cmAuthor id="1" name="pepe" initials="p" lastIdx="2" clrIdx="0">
     <p:extLst>
       <p:ext uri="{19B8F6BF-5375-455C-9EA6-DF929625EA0E}">
-        <p15:presenceInfo xmlns:p15="http://schemas.microsoft.com/office/powerpoint/2012/main" xmlns="" userId="pepe" providerId="None"/>
+        <p15:presenceInfo xmlns="" xmlns:p15="http://schemas.microsoft.com/office/powerpoint/2012/main" userId="pepe" providerId="None"/>
       </p:ext>
     </p:extLst>
   </p:cmAuthor>
@@ -1585,8 +1586,8 @@
         </p:nvSpPr>
         <p:spPr>
           <a:xfrm>
-            <a:off x="533400" y="609600"/>
-            <a:ext cx="7924800" cy="5355312"/>
+            <a:off x="649514" y="1246273"/>
+            <a:ext cx="7924800" cy="3970318"/>
           </a:xfrm>
           <a:prstGeom prst="rect">
             <a:avLst/>
@@ -1770,12 +1771,20 @@
               <a:buChar char="•"/>
             </a:pPr>
             <a:r>
+              <a:rPr lang="es-ES" dirty="0" smtClean="0">
+                <a:solidFill>
+                  <a:schemeClr val="bg1"/>
+                </a:solidFill>
+              </a:rPr>
+              <a:t>Creación </a:t>
+            </a:r>
+            <a:r>
               <a:rPr lang="es-ES" dirty="0">
                 <a:solidFill>
                   <a:schemeClr val="bg1"/>
                 </a:solidFill>
               </a:rPr>
-              <a:t>Resolver el problema del cañón y los disparos</a:t>
+              <a:t>de enemigos y obstáculos</a:t>
             </a:r>
             <a:endParaRPr lang="es-EC" dirty="0">
               <a:solidFill>
@@ -1789,12 +1798,28 @@
               <a:buChar char="•"/>
             </a:pPr>
             <a:r>
+              <a:rPr lang="es-ES" dirty="0" smtClean="0">
+                <a:solidFill>
+                  <a:schemeClr val="bg1"/>
+                </a:solidFill>
+              </a:rPr>
+              <a:t>Manejar </a:t>
+            </a:r>
+            <a:r>
               <a:rPr lang="es-ES" dirty="0">
                 <a:solidFill>
                   <a:schemeClr val="bg1"/>
                 </a:solidFill>
               </a:rPr>
-              <a:t>Creación de enemigos y obstáculos</a:t>
+              <a:t>las colisiones </a:t>
+            </a:r>
+            <a:r>
+              <a:rPr lang="es-ES" dirty="0" smtClean="0">
+                <a:solidFill>
+                  <a:schemeClr val="bg1"/>
+                </a:solidFill>
+              </a:rPr>
+              <a:t>(50% funcional)</a:t>
             </a:r>
             <a:endParaRPr lang="es-EC" dirty="0">
               <a:solidFill>
@@ -1813,7 +1838,7 @@
                   <a:schemeClr val="bg1"/>
                 </a:solidFill>
               </a:rPr>
-              <a:t>Resolver problema de los disparos enemigos de acuerdo a los FPS</a:t>
+              <a:t>Muerte de enemigos</a:t>
             </a:r>
             <a:endParaRPr lang="es-EC" dirty="0">
               <a:solidFill>
@@ -1832,7 +1857,7 @@
                   <a:schemeClr val="bg1"/>
                 </a:solidFill>
               </a:rPr>
-              <a:t>Manejar las colisiones </a:t>
+              <a:t>Generar muchos enemigos</a:t>
             </a:r>
             <a:endParaRPr lang="es-EC" dirty="0">
               <a:solidFill>
@@ -1851,7 +1876,7 @@
                   <a:schemeClr val="bg1"/>
                 </a:solidFill>
               </a:rPr>
-              <a:t>Muerte de enemigos</a:t>
+              <a:t>Insertar sonidos de acuerdo al ambiente (eventos y fondos)</a:t>
             </a:r>
             <a:endParaRPr lang="es-EC" dirty="0">
               <a:solidFill>
@@ -1870,83 +1895,7 @@
                   <a:schemeClr val="bg1"/>
                 </a:solidFill>
               </a:rPr>
-              <a:t>Generar muchos enemigos</a:t>
-            </a:r>
-            <a:endParaRPr lang="es-EC" dirty="0">
-              <a:solidFill>
-                <a:schemeClr val="bg1"/>
-              </a:solidFill>
-            </a:endParaRPr>
-          </a:p>
-          <a:p>
-            <a:pPr marL="285750" lvl="0" indent="-285750">
-              <a:buFont typeface="Arial" panose="020B0604020202020204" pitchFamily="34" charset="0"/>
-              <a:buChar char="•"/>
-            </a:pPr>
-            <a:r>
-              <a:rPr lang="es-ES" dirty="0">
-                <a:solidFill>
-                  <a:schemeClr val="bg1"/>
-                </a:solidFill>
-              </a:rPr>
-              <a:t>Insertar sonidos de acuerdo al ambiente (eventos y fondos)</a:t>
-            </a:r>
-            <a:endParaRPr lang="es-EC" dirty="0">
-              <a:solidFill>
-                <a:schemeClr val="bg1"/>
-              </a:solidFill>
-            </a:endParaRPr>
-          </a:p>
-          <a:p>
-            <a:pPr marL="285750" lvl="0" indent="-285750">
-              <a:buFont typeface="Arial" panose="020B0604020202020204" pitchFamily="34" charset="0"/>
-              <a:buChar char="•"/>
-            </a:pPr>
-            <a:r>
-              <a:rPr lang="es-ES" dirty="0">
-                <a:solidFill>
-                  <a:schemeClr val="bg1"/>
-                </a:solidFill>
-              </a:rPr>
               <a:t>Registro de puntaje</a:t>
-            </a:r>
-            <a:endParaRPr lang="es-EC" dirty="0">
-              <a:solidFill>
-                <a:schemeClr val="bg1"/>
-              </a:solidFill>
-            </a:endParaRPr>
-          </a:p>
-          <a:p>
-            <a:pPr marL="285750" lvl="0" indent="-285750">
-              <a:buFont typeface="Arial" panose="020B0604020202020204" pitchFamily="34" charset="0"/>
-              <a:buChar char="•"/>
-            </a:pPr>
-            <a:r>
-              <a:rPr lang="es-ES" dirty="0">
-                <a:solidFill>
-                  <a:schemeClr val="bg1"/>
-                </a:solidFill>
-              </a:rPr>
-              <a:t>Registro del tiempo jugado</a:t>
-            </a:r>
-            <a:endParaRPr lang="es-EC" dirty="0">
-              <a:solidFill>
-                <a:schemeClr val="bg1"/>
-              </a:solidFill>
-            </a:endParaRPr>
-          </a:p>
-          <a:p>
-            <a:pPr marL="285750" lvl="0" indent="-285750">
-              <a:buFont typeface="Arial" panose="020B0604020202020204" pitchFamily="34" charset="0"/>
-              <a:buChar char="•"/>
-            </a:pPr>
-            <a:r>
-              <a:rPr lang="es-ES" dirty="0">
-                <a:solidFill>
-                  <a:schemeClr val="bg1"/>
-                </a:solidFill>
-              </a:rPr>
-              <a:t>Crear una pantalla de menú con opciones como: Nuevo juego, continuar, mejores puntuaciones.</a:t>
             </a:r>
             <a:endParaRPr lang="es-EC" dirty="0">
               <a:solidFill>
@@ -1963,6 +1912,81 @@
               <a:solidFill>
                 <a:schemeClr val="bg1"/>
               </a:solidFill>
+            </a:endParaRPr>
+          </a:p>
+        </p:txBody>
+      </p:sp>
+      <p:sp>
+        <p:nvSpPr>
+          <p:cNvPr id="3" name="2 Rectángulo"/>
+          <p:cNvSpPr/>
+          <p:nvPr/>
+        </p:nvSpPr>
+        <p:spPr>
+          <a:xfrm>
+            <a:off x="3223140" y="304800"/>
+            <a:ext cx="2255939" cy="923330"/>
+          </a:xfrm>
+          <a:prstGeom prst="rect">
+            <a:avLst/>
+          </a:prstGeom>
+          <a:noFill/>
+        </p:spPr>
+        <p:txBody>
+          <a:bodyPr wrap="none" lIns="91440" tIns="45720" rIns="91440" bIns="45720">
+            <a:spAutoFit/>
+          </a:bodyPr>
+          <a:lstStyle/>
+          <a:p>
+            <a:pPr algn="ctr"/>
+            <a:r>
+              <a:rPr lang="es-ES" sz="5400" b="1" cap="none" spc="0" dirty="0" smtClean="0">
+                <a:ln w="12700">
+                  <a:solidFill>
+                    <a:schemeClr val="tx2">
+                      <a:satMod val="155000"/>
+                    </a:schemeClr>
+                  </a:solidFill>
+                  <a:prstDash val="solid"/>
+                </a:ln>
+                <a:solidFill>
+                  <a:schemeClr val="bg2">
+                    <a:tint val="85000"/>
+                    <a:satMod val="155000"/>
+                  </a:schemeClr>
+                </a:solidFill>
+                <a:effectLst>
+                  <a:outerShdw blurRad="41275" dist="20320" dir="1800000" algn="tl" rotWithShape="0">
+                    <a:srgbClr val="000000">
+                      <a:alpha val="40000"/>
+                    </a:srgbClr>
+                  </a:outerShdw>
+                </a:effectLst>
+              </a:rPr>
+              <a:t>Avance</a:t>
+            </a:r>
+            <a:endParaRPr lang="es-ES" sz="5400" b="1" cap="none" spc="0" dirty="0">
+              <a:ln w="12700">
+                <a:solidFill>
+                  <a:schemeClr val="tx2">
+                    <a:satMod val="155000"/>
+                  </a:schemeClr>
+                </a:solidFill>
+                <a:prstDash val="solid"/>
+              </a:ln>
+              <a:solidFill>
+                <a:schemeClr val="bg2">
+                  <a:tint val="85000"/>
+                  <a:satMod val="155000"/>
+                </a:schemeClr>
+              </a:solidFill>
+              <a:effectLst>
+                <a:outerShdw blurRad="41275" dist="20320" dir="1800000" algn="tl" rotWithShape="0">
+                  <a:srgbClr val="000000">
+                    <a:alpha val="40000"/>
+                  </a:srgbClr>
+                </a:outerShdw>
+              </a:effectLst>
             </a:endParaRPr>
           </a:p>
         </p:txBody>
@@ -1988,6 +2012,218 @@
 </file>
 
 <file path=ppt/slides/slide4.xml><?xml version="1.0" encoding="utf-8"?>
+<p:sld xmlns:a="http://schemas.openxmlformats.org/drawingml/2006/main" xmlns:r="http://schemas.openxmlformats.org/officeDocument/2006/relationships" xmlns:p="http://schemas.openxmlformats.org/presentationml/2006/main">
+  <p:cSld>
+    <p:spTree>
+      <p:nvGrpSpPr>
+        <p:cNvPr id="1" name=""/>
+        <p:cNvGrpSpPr/>
+        <p:nvPr/>
+      </p:nvGrpSpPr>
+      <p:grpSpPr>
+        <a:xfrm>
+          <a:off x="0" y="0"/>
+          <a:ext cx="0" cy="0"/>
+          <a:chOff x="0" y="0"/>
+          <a:chExt cx="0" cy="0"/>
+        </a:xfrm>
+      </p:grpSpPr>
+      <p:sp>
+        <p:nvSpPr>
+          <p:cNvPr id="2" name="1 Rectángulo"/>
+          <p:cNvSpPr/>
+          <p:nvPr/>
+        </p:nvSpPr>
+        <p:spPr>
+          <a:xfrm>
+            <a:off x="2873013" y="304800"/>
+            <a:ext cx="3441519" cy="923330"/>
+          </a:xfrm>
+          <a:prstGeom prst="rect">
+            <a:avLst/>
+          </a:prstGeom>
+          <a:noFill/>
+        </p:spPr>
+        <p:txBody>
+          <a:bodyPr wrap="none" lIns="91440" tIns="45720" rIns="91440" bIns="45720">
+            <a:spAutoFit/>
+          </a:bodyPr>
+          <a:lstStyle/>
+          <a:p>
+            <a:pPr algn="ctr"/>
+            <a:r>
+              <a:rPr lang="es-ES" sz="5400" b="1" cap="none" spc="0" dirty="0" smtClean="0">
+                <a:ln w="12700">
+                  <a:solidFill>
+                    <a:schemeClr val="tx2">
+                      <a:satMod val="155000"/>
+                    </a:schemeClr>
+                  </a:solidFill>
+                  <a:prstDash val="solid"/>
+                </a:ln>
+                <a:solidFill>
+                  <a:schemeClr val="bg2">
+                    <a:tint val="85000"/>
+                    <a:satMod val="155000"/>
+                  </a:schemeClr>
+                </a:solidFill>
+                <a:effectLst>
+                  <a:outerShdw blurRad="41275" dist="20320" dir="1800000" algn="tl" rotWithShape="0">
+                    <a:srgbClr val="000000">
+                      <a:alpha val="40000"/>
+                    </a:srgbClr>
+                  </a:outerShdw>
+                </a:effectLst>
+              </a:rPr>
+              <a:t>Por realizar</a:t>
+            </a:r>
+          </a:p>
+        </p:txBody>
+      </p:sp>
+      <p:sp>
+        <p:nvSpPr>
+          <p:cNvPr id="3" name="2 CuadroTexto"/>
+          <p:cNvSpPr txBox="1"/>
+          <p:nvPr/>
+        </p:nvSpPr>
+        <p:spPr>
+          <a:xfrm>
+            <a:off x="783771" y="2085194"/>
+            <a:ext cx="7391400" cy="2308324"/>
+          </a:xfrm>
+          <a:prstGeom prst="rect">
+            <a:avLst/>
+          </a:prstGeom>
+          <a:noFill/>
+        </p:spPr>
+        <p:txBody>
+          <a:bodyPr wrap="square" rtlCol="0">
+            <a:spAutoFit/>
+          </a:bodyPr>
+          <a:lstStyle/>
+          <a:p>
+            <a:pPr marL="285750" lvl="0" indent="-285750">
+              <a:buFont typeface="Arial" pitchFamily="34" charset="0"/>
+              <a:buChar char="•"/>
+            </a:pPr>
+            <a:r>
+              <a:rPr lang="es-ES" dirty="0">
+                <a:solidFill>
+                  <a:schemeClr val="bg1"/>
+                </a:solidFill>
+              </a:rPr>
+              <a:t>Resolver el problema del cañón y los </a:t>
+            </a:r>
+            <a:r>
+              <a:rPr lang="es-ES" dirty="0" smtClean="0">
+                <a:solidFill>
+                  <a:schemeClr val="bg1"/>
+                </a:solidFill>
+              </a:rPr>
+              <a:t>disparos</a:t>
+            </a:r>
+          </a:p>
+          <a:p>
+            <a:pPr marL="285750" lvl="0" indent="-285750">
+              <a:buFont typeface="Arial" pitchFamily="34" charset="0"/>
+              <a:buChar char="•"/>
+            </a:pPr>
+            <a:r>
+              <a:rPr lang="es-ES" dirty="0">
+                <a:solidFill>
+                  <a:schemeClr val="bg1"/>
+                </a:solidFill>
+              </a:rPr>
+              <a:t>Registro del tiempo jugado</a:t>
+            </a:r>
+            <a:endParaRPr lang="es-EC" dirty="0">
+              <a:solidFill>
+                <a:schemeClr val="bg1"/>
+              </a:solidFill>
+            </a:endParaRPr>
+          </a:p>
+          <a:p>
+            <a:pPr marL="285750" lvl="0" indent="-285750">
+              <a:buFont typeface="Arial" pitchFamily="34" charset="0"/>
+              <a:buChar char="•"/>
+            </a:pPr>
+            <a:r>
+              <a:rPr lang="es-ES" dirty="0">
+                <a:solidFill>
+                  <a:schemeClr val="bg1"/>
+                </a:solidFill>
+              </a:rPr>
+              <a:t>Crear una pantalla de menú con opciones como: Nuevo juego, continuar, mejores puntuaciones</a:t>
+            </a:r>
+            <a:r>
+              <a:rPr lang="es-ES" dirty="0" smtClean="0">
+                <a:solidFill>
+                  <a:schemeClr val="bg1"/>
+                </a:solidFill>
+              </a:rPr>
+              <a:t>.</a:t>
+            </a:r>
+          </a:p>
+          <a:p>
+            <a:pPr marL="285750" indent="-285750">
+              <a:buFont typeface="Arial" pitchFamily="34" charset="0"/>
+              <a:buChar char="•"/>
+            </a:pPr>
+            <a:r>
+              <a:rPr lang="es-ES" dirty="0">
+                <a:solidFill>
+                  <a:schemeClr val="bg1"/>
+                </a:solidFill>
+              </a:rPr>
+              <a:t>Resolver problema de los disparos enemigos de acuerdo a los FPS</a:t>
+            </a:r>
+            <a:endParaRPr lang="es-EC" dirty="0">
+              <a:solidFill>
+                <a:schemeClr val="bg1"/>
+              </a:solidFill>
+            </a:endParaRPr>
+          </a:p>
+          <a:p>
+            <a:pPr marL="285750" lvl="0" indent="-285750">
+              <a:buFont typeface="Arial" pitchFamily="34" charset="0"/>
+              <a:buChar char="•"/>
+            </a:pPr>
+            <a:endParaRPr lang="es-EC" dirty="0">
+              <a:solidFill>
+                <a:schemeClr val="bg1"/>
+              </a:solidFill>
+            </a:endParaRPr>
+          </a:p>
+          <a:p>
+            <a:pPr marL="285750" lvl="0" indent="-285750">
+              <a:buFont typeface="Arial" pitchFamily="34" charset="0"/>
+              <a:buChar char="•"/>
+            </a:pPr>
+            <a:endParaRPr lang="es-EC" dirty="0">
+              <a:solidFill>
+                <a:schemeClr val="bg1"/>
+              </a:solidFill>
+            </a:endParaRPr>
+          </a:p>
+          <a:p>
+            <a:endParaRPr lang="es-EC" dirty="0"/>
+          </a:p>
+        </p:txBody>
+      </p:sp>
+    </p:spTree>
+    <p:extLst>
+      <p:ext uri="{BB962C8B-B14F-4D97-AF65-F5344CB8AC3E}">
+        <p14:creationId xmlns:p14="http://schemas.microsoft.com/office/powerpoint/2010/main" val="2981240027"/>
+      </p:ext>
+    </p:extLst>
+  </p:cSld>
+  <p:clrMapOvr>
+    <a:masterClrMapping/>
+  </p:clrMapOvr>
+</p:sld>
+</file>
+
+<file path=ppt/slides/slide5.xml><?xml version="1.0" encoding="utf-8"?>
 <p:sld xmlns:a="http://schemas.openxmlformats.org/drawingml/2006/main" xmlns:r="http://schemas.openxmlformats.org/officeDocument/2006/relationships" xmlns:p="http://schemas.openxmlformats.org/presentationml/2006/main">
   <p:cSld>
     <p:spTree>
@@ -2309,7 +2545,7 @@
 </p:sld>
 </file>
 
-<file path=ppt/slides/slide5.xml><?xml version="1.0" encoding="utf-8"?>
+<file path=ppt/slides/slide6.xml><?xml version="1.0" encoding="utf-8"?>
 <p:sld xmlns:a="http://schemas.openxmlformats.org/drawingml/2006/main" xmlns:r="http://schemas.openxmlformats.org/officeDocument/2006/relationships" xmlns:p="http://schemas.openxmlformats.org/presentationml/2006/main">
   <p:cSld>
     <p:spTree>
@@ -2631,7 +2867,7 @@
 </p:sld>
 </file>
 
-<file path=ppt/slides/slide6.xml><?xml version="1.0" encoding="utf-8"?>
+<file path=ppt/slides/slide7.xml><?xml version="1.0" encoding="utf-8"?>
 <p:sld xmlns:a="http://schemas.openxmlformats.org/drawingml/2006/main" xmlns:r="http://schemas.openxmlformats.org/officeDocument/2006/relationships" xmlns:p="http://schemas.openxmlformats.org/presentationml/2006/main">
   <p:cSld>
     <p:spTree>
@@ -2765,7 +3001,7 @@
 </p:sld>
 </file>
 
-<file path=ppt/slides/slide7.xml><?xml version="1.0" encoding="utf-8"?>
+<file path=ppt/slides/slide8.xml><?xml version="1.0" encoding="utf-8"?>
 <p:sld xmlns:a="http://schemas.openxmlformats.org/drawingml/2006/main" xmlns:r="http://schemas.openxmlformats.org/officeDocument/2006/relationships" xmlns:p="http://schemas.openxmlformats.org/presentationml/2006/main">
   <p:cSld>
     <p:spTree>

--- a/Presentacion_avance.pptx
+++ b/Presentacion_avance.pptx
@@ -113,7 +113,7 @@
   </p:defaultTextStyle>
   <p:extLst>
     <p:ext uri="{EFAFB233-063F-42B5-8137-9DF3F51BA10A}">
-      <p15:sldGuideLst xmlns="" xmlns:p15="http://schemas.microsoft.com/office/powerpoint/2012/main">
+      <p15:sldGuideLst xmlns:p15="http://schemas.microsoft.com/office/powerpoint/2012/main">
         <p15:guide id="1" orient="horz" pos="2880">
           <p15:clr>
             <a:srgbClr val="A4A3A4"/>
@@ -135,7 +135,7 @@
   <p:cmAuthor id="1" name="pepe" initials="p" lastIdx="2" clrIdx="0">
     <p:extLst>
       <p:ext uri="{19B8F6BF-5375-455C-9EA6-DF929625EA0E}">
-        <p15:presenceInfo xmlns="" xmlns:p15="http://schemas.microsoft.com/office/powerpoint/2012/main" userId="pepe" providerId="None"/>
+        <p15:presenceInfo xmlns:p15="http://schemas.microsoft.com/office/powerpoint/2012/main" userId="pepe" providerId="None"/>
       </p:ext>
     </p:extLst>
   </p:cmAuthor>
@@ -2089,7 +2089,7 @@
         <p:spPr>
           <a:xfrm>
             <a:off x="783771" y="2085194"/>
-            <a:ext cx="7391400" cy="2308324"/>
+            <a:ext cx="7391400" cy="3139321"/>
           </a:xfrm>
           <a:prstGeom prst="rect">
             <a:avLst/>
@@ -2124,6 +2124,14 @@
             </a:r>
           </a:p>
           <a:p>
+            <a:pPr lvl="0"/>
+            <a:endParaRPr lang="es-ES" dirty="0" smtClean="0">
+              <a:solidFill>
+                <a:schemeClr val="bg1"/>
+              </a:solidFill>
+            </a:endParaRPr>
+          </a:p>
+          <a:p>
             <a:pPr marL="285750" lvl="0" indent="-285750">
               <a:buFont typeface="Arial" pitchFamily="34" charset="0"/>
               <a:buChar char="•"/>
@@ -2134,8 +2142,19 @@
                   <a:schemeClr val="bg1"/>
                 </a:solidFill>
               </a:rPr>
-              <a:t>Registro del tiempo jugado</a:t>
-            </a:r>
+              <a:t>Registro del tiempo </a:t>
+            </a:r>
+            <a:r>
+              <a:rPr lang="es-ES" dirty="0" smtClean="0">
+                <a:solidFill>
+                  <a:schemeClr val="bg1"/>
+                </a:solidFill>
+              </a:rPr>
+              <a:t>jugado</a:t>
+            </a:r>
+          </a:p>
+          <a:p>
+            <a:pPr lvl="0"/>
             <a:endParaRPr lang="es-EC" dirty="0">
               <a:solidFill>
                 <a:schemeClr val="bg1"/>
@@ -2153,16 +2172,32 @@
                   <a:schemeClr val="bg1"/>
                 </a:solidFill>
               </a:rPr>
-              <a:t>Crear una pantalla de menú con opciones como: Nuevo juego, continuar, mejores puntuaciones</a:t>
-            </a:r>
-            <a:r>
-              <a:rPr lang="es-ES" dirty="0" smtClean="0">
+              <a:t>Crear una pantalla de menú con opciones como: Nuevo juego, continuar, mejores </a:t>
+            </a:r>
+            <a:r>
+              <a:rPr lang="es-ES">
+                <a:solidFill>
+                  <a:schemeClr val="bg1"/>
+                </a:solidFill>
+              </a:rPr>
+              <a:t>puntuaciones</a:t>
+            </a:r>
+            <a:r>
+              <a:rPr lang="es-ES" smtClean="0">
                 <a:solidFill>
                   <a:schemeClr val="bg1"/>
                 </a:solidFill>
               </a:rPr>
               <a:t>.</a:t>
             </a:r>
+          </a:p>
+          <a:p>
+            <a:pPr lvl="0"/>
+            <a:endParaRPr lang="es-ES" dirty="0" smtClean="0">
+              <a:solidFill>
+                <a:schemeClr val="bg1"/>
+              </a:solidFill>
+            </a:endParaRPr>
           </a:p>
           <a:p>
             <a:pPr marL="285750" indent="-285750">
